--- a/ppt 16-9/0580.算计恩典.pptx
+++ b/ppt 16-9/0580.算计恩典.pptx
@@ -5,7 +5,7 @@
     <p:sldMasterId id="2147483648" r:id="rId1"/>
   </p:sldMasterIdLst>
   <p:sldIdLst>
-    <p:sldId id="2344" r:id="rId2"/>
+    <p:sldId id="2345" r:id="rId2"/>
   </p:sldIdLst>
   <p:sldSz cx="12192000" cy="6858000"/>
   <p:notesSz cx="6858000" cy="9144000"/>
@@ -129,7 +129,7 @@
           <p:cNvPr id="2" name="标题 1">
             <a:extLst>
               <a:ext uri="{FF2B5EF4-FFF2-40B4-BE49-F238E27FC236}">
-                <a16:creationId xmlns:a16="http://schemas.microsoft.com/office/drawing/2014/main" id="{520CF058-38A8-80D6-CE12-FCF926C5171B}"/>
+                <a16:creationId xmlns:a16="http://schemas.microsoft.com/office/drawing/2014/main" id="{BA117D0E-E533-E880-6E8F-9657F5107484}"/>
               </a:ext>
             </a:extLst>
           </p:cNvPr>
@@ -166,7 +166,7 @@
           <p:cNvPr id="3" name="副标题 2">
             <a:extLst>
               <a:ext uri="{FF2B5EF4-FFF2-40B4-BE49-F238E27FC236}">
-                <a16:creationId xmlns:a16="http://schemas.microsoft.com/office/drawing/2014/main" id="{6855086D-91F0-D17E-6EA1-19F3531F783F}"/>
+                <a16:creationId xmlns:a16="http://schemas.microsoft.com/office/drawing/2014/main" id="{13229523-3010-A1A3-39D4-324299D5BD2E}"/>
               </a:ext>
             </a:extLst>
           </p:cNvPr>
@@ -236,7 +236,7 @@
           <p:cNvPr id="4" name="日期占位符 3">
             <a:extLst>
               <a:ext uri="{FF2B5EF4-FFF2-40B4-BE49-F238E27FC236}">
-                <a16:creationId xmlns:a16="http://schemas.microsoft.com/office/drawing/2014/main" id="{EF940DBF-8145-C3E9-439E-5D18EBCDD71B}"/>
+                <a16:creationId xmlns:a16="http://schemas.microsoft.com/office/drawing/2014/main" id="{D00F11EC-BCFD-B698-F4F9-B6978EA995D4}"/>
               </a:ext>
             </a:extLst>
           </p:cNvPr>
@@ -252,7 +252,7 @@
           <a:bodyPr/>
           <a:lstStyle/>
           <a:p>
-            <a:fld id="{81E3B5A7-C4D9-435A-A897-F1D73104D685}" type="datetimeFigureOut">
+            <a:fld id="{02947A32-7E21-4872-ADE9-FF833BAAF223}" type="datetimeFigureOut">
               <a:rPr lang="zh-CN" altLang="en-US" smtClean="0"/>
               <a:t>2024/3/10</a:t>
             </a:fld>
@@ -265,7 +265,7 @@
           <p:cNvPr id="5" name="页脚占位符 4">
             <a:extLst>
               <a:ext uri="{FF2B5EF4-FFF2-40B4-BE49-F238E27FC236}">
-                <a16:creationId xmlns:a16="http://schemas.microsoft.com/office/drawing/2014/main" id="{09C80492-B7AF-7C82-257C-B0B69C503714}"/>
+                <a16:creationId xmlns:a16="http://schemas.microsoft.com/office/drawing/2014/main" id="{FB505D9B-0DAA-0584-C5BB-E42D8BE4710E}"/>
               </a:ext>
             </a:extLst>
           </p:cNvPr>
@@ -290,7 +290,7 @@
           <p:cNvPr id="6" name="灯片编号占位符 5">
             <a:extLst>
               <a:ext uri="{FF2B5EF4-FFF2-40B4-BE49-F238E27FC236}">
-                <a16:creationId xmlns:a16="http://schemas.microsoft.com/office/drawing/2014/main" id="{73B14EF3-D861-A88B-4BDB-D40B83E47AF4}"/>
+                <a16:creationId xmlns:a16="http://schemas.microsoft.com/office/drawing/2014/main" id="{AC5AC1A9-B77C-F114-7BDC-F1C7AD40DDD0}"/>
               </a:ext>
             </a:extLst>
           </p:cNvPr>
@@ -306,7 +306,7 @@
           <a:bodyPr/>
           <a:lstStyle/>
           <a:p>
-            <a:fld id="{F64A8369-B8D5-47A7-954C-42BAFB7D0356}" type="slidenum">
+            <a:fld id="{56BDC910-26ED-4D55-A098-5C6F029333D3}" type="slidenum">
               <a:rPr lang="zh-CN" altLang="en-US" smtClean="0"/>
               <a:t>‹#›</a:t>
             </a:fld>
@@ -317,7 +317,7 @@
     </p:spTree>
     <p:extLst>
       <p:ext uri="{BB962C8B-B14F-4D97-AF65-F5344CB8AC3E}">
-        <p14:creationId xmlns:p14="http://schemas.microsoft.com/office/powerpoint/2010/main" val="2251316733"/>
+        <p14:creationId xmlns:p14="http://schemas.microsoft.com/office/powerpoint/2010/main" val="1354914036"/>
       </p:ext>
     </p:extLst>
   </p:cSld>
@@ -349,7 +349,7 @@
           <p:cNvPr id="2" name="标题 1">
             <a:extLst>
               <a:ext uri="{FF2B5EF4-FFF2-40B4-BE49-F238E27FC236}">
-                <a16:creationId xmlns:a16="http://schemas.microsoft.com/office/drawing/2014/main" id="{7983B852-0AFC-9740-7D04-33C2818D2F45}"/>
+                <a16:creationId xmlns:a16="http://schemas.microsoft.com/office/drawing/2014/main" id="{C04C17A5-B56D-B84F-BD61-5621877F238E}"/>
               </a:ext>
             </a:extLst>
           </p:cNvPr>
@@ -377,7 +377,7 @@
           <p:cNvPr id="3" name="竖排文字占位符 2">
             <a:extLst>
               <a:ext uri="{FF2B5EF4-FFF2-40B4-BE49-F238E27FC236}">
-                <a16:creationId xmlns:a16="http://schemas.microsoft.com/office/drawing/2014/main" id="{8A6870D3-CC66-FABE-E35D-DEBE0FB732D0}"/>
+                <a16:creationId xmlns:a16="http://schemas.microsoft.com/office/drawing/2014/main" id="{5A5E057A-C19E-0ACA-4175-F4812CE59FB7}"/>
               </a:ext>
             </a:extLst>
           </p:cNvPr>
@@ -434,7 +434,7 @@
           <p:cNvPr id="4" name="日期占位符 3">
             <a:extLst>
               <a:ext uri="{FF2B5EF4-FFF2-40B4-BE49-F238E27FC236}">
-                <a16:creationId xmlns:a16="http://schemas.microsoft.com/office/drawing/2014/main" id="{147D8290-46FE-961B-F1CD-B35BA3B90659}"/>
+                <a16:creationId xmlns:a16="http://schemas.microsoft.com/office/drawing/2014/main" id="{6D0866FD-F051-7DBA-3141-CB14F39547E5}"/>
               </a:ext>
             </a:extLst>
           </p:cNvPr>
@@ -450,7 +450,7 @@
           <a:bodyPr/>
           <a:lstStyle/>
           <a:p>
-            <a:fld id="{81E3B5A7-C4D9-435A-A897-F1D73104D685}" type="datetimeFigureOut">
+            <a:fld id="{02947A32-7E21-4872-ADE9-FF833BAAF223}" type="datetimeFigureOut">
               <a:rPr lang="zh-CN" altLang="en-US" smtClean="0"/>
               <a:t>2024/3/10</a:t>
             </a:fld>
@@ -463,7 +463,7 @@
           <p:cNvPr id="5" name="页脚占位符 4">
             <a:extLst>
               <a:ext uri="{FF2B5EF4-FFF2-40B4-BE49-F238E27FC236}">
-                <a16:creationId xmlns:a16="http://schemas.microsoft.com/office/drawing/2014/main" id="{02B333C8-48E9-2962-C802-25C8265AF356}"/>
+                <a16:creationId xmlns:a16="http://schemas.microsoft.com/office/drawing/2014/main" id="{E37B7EB7-3C25-9576-DF57-70B3C448E2CE}"/>
               </a:ext>
             </a:extLst>
           </p:cNvPr>
@@ -488,7 +488,7 @@
           <p:cNvPr id="6" name="灯片编号占位符 5">
             <a:extLst>
               <a:ext uri="{FF2B5EF4-FFF2-40B4-BE49-F238E27FC236}">
-                <a16:creationId xmlns:a16="http://schemas.microsoft.com/office/drawing/2014/main" id="{24891455-E6D0-9B2E-FDD9-8DAC8F13669C}"/>
+                <a16:creationId xmlns:a16="http://schemas.microsoft.com/office/drawing/2014/main" id="{0A08EEF0-EB12-452D-EA46-FD04292E7657}"/>
               </a:ext>
             </a:extLst>
           </p:cNvPr>
@@ -504,7 +504,7 @@
           <a:bodyPr/>
           <a:lstStyle/>
           <a:p>
-            <a:fld id="{F64A8369-B8D5-47A7-954C-42BAFB7D0356}" type="slidenum">
+            <a:fld id="{56BDC910-26ED-4D55-A098-5C6F029333D3}" type="slidenum">
               <a:rPr lang="zh-CN" altLang="en-US" smtClean="0"/>
               <a:t>‹#›</a:t>
             </a:fld>
@@ -515,7 +515,7 @@
     </p:spTree>
     <p:extLst>
       <p:ext uri="{BB962C8B-B14F-4D97-AF65-F5344CB8AC3E}">
-        <p14:creationId xmlns:p14="http://schemas.microsoft.com/office/powerpoint/2010/main" val="4277522141"/>
+        <p14:creationId xmlns:p14="http://schemas.microsoft.com/office/powerpoint/2010/main" val="226390386"/>
       </p:ext>
     </p:extLst>
   </p:cSld>
@@ -547,7 +547,7 @@
           <p:cNvPr id="2" name="竖排标题 1">
             <a:extLst>
               <a:ext uri="{FF2B5EF4-FFF2-40B4-BE49-F238E27FC236}">
-                <a16:creationId xmlns:a16="http://schemas.microsoft.com/office/drawing/2014/main" id="{248F9B0A-E2EE-AD1E-6243-03115DBD59FD}"/>
+                <a16:creationId xmlns:a16="http://schemas.microsoft.com/office/drawing/2014/main" id="{A3E64C52-FC06-4D32-F9FB-682EE7AD45C5}"/>
               </a:ext>
             </a:extLst>
           </p:cNvPr>
@@ -580,7 +580,7 @@
           <p:cNvPr id="3" name="竖排文字占位符 2">
             <a:extLst>
               <a:ext uri="{FF2B5EF4-FFF2-40B4-BE49-F238E27FC236}">
-                <a16:creationId xmlns:a16="http://schemas.microsoft.com/office/drawing/2014/main" id="{30ABF990-B38E-F031-5CD1-1D89007BF2D2}"/>
+                <a16:creationId xmlns:a16="http://schemas.microsoft.com/office/drawing/2014/main" id="{75D9D3AD-3F1B-7B57-61E4-BB4C577FA287}"/>
               </a:ext>
             </a:extLst>
           </p:cNvPr>
@@ -642,7 +642,7 @@
           <p:cNvPr id="4" name="日期占位符 3">
             <a:extLst>
               <a:ext uri="{FF2B5EF4-FFF2-40B4-BE49-F238E27FC236}">
-                <a16:creationId xmlns:a16="http://schemas.microsoft.com/office/drawing/2014/main" id="{3118E8C0-53A6-A03A-2856-6830C2465414}"/>
+                <a16:creationId xmlns:a16="http://schemas.microsoft.com/office/drawing/2014/main" id="{055F5694-76CC-1DE5-3977-907874D94E65}"/>
               </a:ext>
             </a:extLst>
           </p:cNvPr>
@@ -658,7 +658,7 @@
           <a:bodyPr/>
           <a:lstStyle/>
           <a:p>
-            <a:fld id="{81E3B5A7-C4D9-435A-A897-F1D73104D685}" type="datetimeFigureOut">
+            <a:fld id="{02947A32-7E21-4872-ADE9-FF833BAAF223}" type="datetimeFigureOut">
               <a:rPr lang="zh-CN" altLang="en-US" smtClean="0"/>
               <a:t>2024/3/10</a:t>
             </a:fld>
@@ -671,7 +671,7 @@
           <p:cNvPr id="5" name="页脚占位符 4">
             <a:extLst>
               <a:ext uri="{FF2B5EF4-FFF2-40B4-BE49-F238E27FC236}">
-                <a16:creationId xmlns:a16="http://schemas.microsoft.com/office/drawing/2014/main" id="{BD6CB6AC-0444-A5B2-7991-66C258C6C490}"/>
+                <a16:creationId xmlns:a16="http://schemas.microsoft.com/office/drawing/2014/main" id="{C0D9BB77-5177-A0E4-409D-1C08C62E90E7}"/>
               </a:ext>
             </a:extLst>
           </p:cNvPr>
@@ -696,7 +696,7 @@
           <p:cNvPr id="6" name="灯片编号占位符 5">
             <a:extLst>
               <a:ext uri="{FF2B5EF4-FFF2-40B4-BE49-F238E27FC236}">
-                <a16:creationId xmlns:a16="http://schemas.microsoft.com/office/drawing/2014/main" id="{F056B8BF-DFF8-F5B2-96FA-5379BF97D4C0}"/>
+                <a16:creationId xmlns:a16="http://schemas.microsoft.com/office/drawing/2014/main" id="{F9BC34B0-1632-9E74-FAAB-C43AD740ECB4}"/>
               </a:ext>
             </a:extLst>
           </p:cNvPr>
@@ -712,7 +712,7 @@
           <a:bodyPr/>
           <a:lstStyle/>
           <a:p>
-            <a:fld id="{F64A8369-B8D5-47A7-954C-42BAFB7D0356}" type="slidenum">
+            <a:fld id="{56BDC910-26ED-4D55-A098-5C6F029333D3}" type="slidenum">
               <a:rPr lang="zh-CN" altLang="en-US" smtClean="0"/>
               <a:t>‹#›</a:t>
             </a:fld>
@@ -723,7 +723,7 @@
     </p:spTree>
     <p:extLst>
       <p:ext uri="{BB962C8B-B14F-4D97-AF65-F5344CB8AC3E}">
-        <p14:creationId xmlns:p14="http://schemas.microsoft.com/office/powerpoint/2010/main" val="764174217"/>
+        <p14:creationId xmlns:p14="http://schemas.microsoft.com/office/powerpoint/2010/main" val="2513890211"/>
       </p:ext>
     </p:extLst>
   </p:cSld>
@@ -755,7 +755,7 @@
           <p:cNvPr id="2" name="标题 1">
             <a:extLst>
               <a:ext uri="{FF2B5EF4-FFF2-40B4-BE49-F238E27FC236}">
-                <a16:creationId xmlns:a16="http://schemas.microsoft.com/office/drawing/2014/main" id="{3CCCE80B-58B6-4F0E-2369-60FF3F74BC9F}"/>
+                <a16:creationId xmlns:a16="http://schemas.microsoft.com/office/drawing/2014/main" id="{8E0FD41A-EAFF-C8F4-78FD-36633902EDA0}"/>
               </a:ext>
             </a:extLst>
           </p:cNvPr>
@@ -783,7 +783,7 @@
           <p:cNvPr id="3" name="内容占位符 2">
             <a:extLst>
               <a:ext uri="{FF2B5EF4-FFF2-40B4-BE49-F238E27FC236}">
-                <a16:creationId xmlns:a16="http://schemas.microsoft.com/office/drawing/2014/main" id="{406CAC2E-BC64-5483-0CEE-4F6EC7655D97}"/>
+                <a16:creationId xmlns:a16="http://schemas.microsoft.com/office/drawing/2014/main" id="{6C1AFEC3-3D53-9ABC-7046-D4FCE55EABB3}"/>
               </a:ext>
             </a:extLst>
           </p:cNvPr>
@@ -840,7 +840,7 @@
           <p:cNvPr id="4" name="日期占位符 3">
             <a:extLst>
               <a:ext uri="{FF2B5EF4-FFF2-40B4-BE49-F238E27FC236}">
-                <a16:creationId xmlns:a16="http://schemas.microsoft.com/office/drawing/2014/main" id="{5650D425-1941-D09D-B61E-E43BC9EEAA13}"/>
+                <a16:creationId xmlns:a16="http://schemas.microsoft.com/office/drawing/2014/main" id="{3C7479AE-FD22-9A26-9EBF-D289BA9FE9DD}"/>
               </a:ext>
             </a:extLst>
           </p:cNvPr>
@@ -856,7 +856,7 @@
           <a:bodyPr/>
           <a:lstStyle/>
           <a:p>
-            <a:fld id="{81E3B5A7-C4D9-435A-A897-F1D73104D685}" type="datetimeFigureOut">
+            <a:fld id="{02947A32-7E21-4872-ADE9-FF833BAAF223}" type="datetimeFigureOut">
               <a:rPr lang="zh-CN" altLang="en-US" smtClean="0"/>
               <a:t>2024/3/10</a:t>
             </a:fld>
@@ -869,7 +869,7 @@
           <p:cNvPr id="5" name="页脚占位符 4">
             <a:extLst>
               <a:ext uri="{FF2B5EF4-FFF2-40B4-BE49-F238E27FC236}">
-                <a16:creationId xmlns:a16="http://schemas.microsoft.com/office/drawing/2014/main" id="{3D226EE7-201D-9818-4C4C-DF6E2007DE54}"/>
+                <a16:creationId xmlns:a16="http://schemas.microsoft.com/office/drawing/2014/main" id="{64F5D192-92BD-008B-A026-A1AB40996A02}"/>
               </a:ext>
             </a:extLst>
           </p:cNvPr>
@@ -894,7 +894,7 @@
           <p:cNvPr id="6" name="灯片编号占位符 5">
             <a:extLst>
               <a:ext uri="{FF2B5EF4-FFF2-40B4-BE49-F238E27FC236}">
-                <a16:creationId xmlns:a16="http://schemas.microsoft.com/office/drawing/2014/main" id="{03714DD9-F41A-9C98-40D1-10F5D37292E9}"/>
+                <a16:creationId xmlns:a16="http://schemas.microsoft.com/office/drawing/2014/main" id="{F40613E7-E2AC-33CF-2C93-2442FAA33AE6}"/>
               </a:ext>
             </a:extLst>
           </p:cNvPr>
@@ -910,7 +910,7 @@
           <a:bodyPr/>
           <a:lstStyle/>
           <a:p>
-            <a:fld id="{F64A8369-B8D5-47A7-954C-42BAFB7D0356}" type="slidenum">
+            <a:fld id="{56BDC910-26ED-4D55-A098-5C6F029333D3}" type="slidenum">
               <a:rPr lang="zh-CN" altLang="en-US" smtClean="0"/>
               <a:t>‹#›</a:t>
             </a:fld>
@@ -921,7 +921,7 @@
     </p:spTree>
     <p:extLst>
       <p:ext uri="{BB962C8B-B14F-4D97-AF65-F5344CB8AC3E}">
-        <p14:creationId xmlns:p14="http://schemas.microsoft.com/office/powerpoint/2010/main" val="3744741306"/>
+        <p14:creationId xmlns:p14="http://schemas.microsoft.com/office/powerpoint/2010/main" val="2402103339"/>
       </p:ext>
     </p:extLst>
   </p:cSld>
@@ -953,7 +953,7 @@
           <p:cNvPr id="2" name="标题 1">
             <a:extLst>
               <a:ext uri="{FF2B5EF4-FFF2-40B4-BE49-F238E27FC236}">
-                <a16:creationId xmlns:a16="http://schemas.microsoft.com/office/drawing/2014/main" id="{023433E1-B906-78EA-2916-3A903575AE82}"/>
+                <a16:creationId xmlns:a16="http://schemas.microsoft.com/office/drawing/2014/main" id="{BD79E1EA-69BC-629F-55CF-CBE889DCBF03}"/>
               </a:ext>
             </a:extLst>
           </p:cNvPr>
@@ -990,7 +990,7 @@
           <p:cNvPr id="3" name="文本占位符 2">
             <a:extLst>
               <a:ext uri="{FF2B5EF4-FFF2-40B4-BE49-F238E27FC236}">
-                <a16:creationId xmlns:a16="http://schemas.microsoft.com/office/drawing/2014/main" id="{64F71049-E8B2-8B51-FC76-42370158C0FA}"/>
+                <a16:creationId xmlns:a16="http://schemas.microsoft.com/office/drawing/2014/main" id="{0ACAB579-C5BE-76E4-7263-6C7D9689BAB5}"/>
               </a:ext>
             </a:extLst>
           </p:cNvPr>
@@ -1115,7 +1115,7 @@
           <p:cNvPr id="4" name="日期占位符 3">
             <a:extLst>
               <a:ext uri="{FF2B5EF4-FFF2-40B4-BE49-F238E27FC236}">
-                <a16:creationId xmlns:a16="http://schemas.microsoft.com/office/drawing/2014/main" id="{3E1B34A1-58F9-B384-EF2D-36D027C5AF19}"/>
+                <a16:creationId xmlns:a16="http://schemas.microsoft.com/office/drawing/2014/main" id="{7DF85F9E-A7F0-E0D6-B9E9-7DB1C46D4ADF}"/>
               </a:ext>
             </a:extLst>
           </p:cNvPr>
@@ -1131,7 +1131,7 @@
           <a:bodyPr/>
           <a:lstStyle/>
           <a:p>
-            <a:fld id="{81E3B5A7-C4D9-435A-A897-F1D73104D685}" type="datetimeFigureOut">
+            <a:fld id="{02947A32-7E21-4872-ADE9-FF833BAAF223}" type="datetimeFigureOut">
               <a:rPr lang="zh-CN" altLang="en-US" smtClean="0"/>
               <a:t>2024/3/10</a:t>
             </a:fld>
@@ -1144,7 +1144,7 @@
           <p:cNvPr id="5" name="页脚占位符 4">
             <a:extLst>
               <a:ext uri="{FF2B5EF4-FFF2-40B4-BE49-F238E27FC236}">
-                <a16:creationId xmlns:a16="http://schemas.microsoft.com/office/drawing/2014/main" id="{F9B5A167-D12E-2914-4F43-6D0DB43D832A}"/>
+                <a16:creationId xmlns:a16="http://schemas.microsoft.com/office/drawing/2014/main" id="{54F0AEC7-DAF9-16DB-F620-BFE72B3F917A}"/>
               </a:ext>
             </a:extLst>
           </p:cNvPr>
@@ -1169,7 +1169,7 @@
           <p:cNvPr id="6" name="灯片编号占位符 5">
             <a:extLst>
               <a:ext uri="{FF2B5EF4-FFF2-40B4-BE49-F238E27FC236}">
-                <a16:creationId xmlns:a16="http://schemas.microsoft.com/office/drawing/2014/main" id="{17D6EAC0-ADFD-621D-E767-BDDEF3865CD3}"/>
+                <a16:creationId xmlns:a16="http://schemas.microsoft.com/office/drawing/2014/main" id="{E5C3C2ED-B368-955D-2B46-2431D3773DA2}"/>
               </a:ext>
             </a:extLst>
           </p:cNvPr>
@@ -1185,7 +1185,7 @@
           <a:bodyPr/>
           <a:lstStyle/>
           <a:p>
-            <a:fld id="{F64A8369-B8D5-47A7-954C-42BAFB7D0356}" type="slidenum">
+            <a:fld id="{56BDC910-26ED-4D55-A098-5C6F029333D3}" type="slidenum">
               <a:rPr lang="zh-CN" altLang="en-US" smtClean="0"/>
               <a:t>‹#›</a:t>
             </a:fld>
@@ -1196,7 +1196,7 @@
     </p:spTree>
     <p:extLst>
       <p:ext uri="{BB962C8B-B14F-4D97-AF65-F5344CB8AC3E}">
-        <p14:creationId xmlns:p14="http://schemas.microsoft.com/office/powerpoint/2010/main" val="2300063788"/>
+        <p14:creationId xmlns:p14="http://schemas.microsoft.com/office/powerpoint/2010/main" val="102709754"/>
       </p:ext>
     </p:extLst>
   </p:cSld>
@@ -1228,7 +1228,7 @@
           <p:cNvPr id="2" name="标题 1">
             <a:extLst>
               <a:ext uri="{FF2B5EF4-FFF2-40B4-BE49-F238E27FC236}">
-                <a16:creationId xmlns:a16="http://schemas.microsoft.com/office/drawing/2014/main" id="{E5E91B1F-83CE-F677-A684-08B4EA60412C}"/>
+                <a16:creationId xmlns:a16="http://schemas.microsoft.com/office/drawing/2014/main" id="{7B65DFF5-2D21-DE2F-53B6-16BBEFE3000E}"/>
               </a:ext>
             </a:extLst>
           </p:cNvPr>
@@ -1256,7 +1256,7 @@
           <p:cNvPr id="3" name="内容占位符 2">
             <a:extLst>
               <a:ext uri="{FF2B5EF4-FFF2-40B4-BE49-F238E27FC236}">
-                <a16:creationId xmlns:a16="http://schemas.microsoft.com/office/drawing/2014/main" id="{BE980587-5622-568C-6772-A581BEBF7B18}"/>
+                <a16:creationId xmlns:a16="http://schemas.microsoft.com/office/drawing/2014/main" id="{EF118920-7E97-D4CC-04C3-AF3CE2589A18}"/>
               </a:ext>
             </a:extLst>
           </p:cNvPr>
@@ -1318,7 +1318,7 @@
           <p:cNvPr id="4" name="内容占位符 3">
             <a:extLst>
               <a:ext uri="{FF2B5EF4-FFF2-40B4-BE49-F238E27FC236}">
-                <a16:creationId xmlns:a16="http://schemas.microsoft.com/office/drawing/2014/main" id="{E2A68E3C-52D9-D3C8-98B0-52B2FC488051}"/>
+                <a16:creationId xmlns:a16="http://schemas.microsoft.com/office/drawing/2014/main" id="{7A38726B-E46D-2ADD-3857-5524A3488D53}"/>
               </a:ext>
             </a:extLst>
           </p:cNvPr>
@@ -1380,7 +1380,7 @@
           <p:cNvPr id="5" name="日期占位符 4">
             <a:extLst>
               <a:ext uri="{FF2B5EF4-FFF2-40B4-BE49-F238E27FC236}">
-                <a16:creationId xmlns:a16="http://schemas.microsoft.com/office/drawing/2014/main" id="{47434CD4-78FC-D1D5-80F3-80B6D24BFE74}"/>
+                <a16:creationId xmlns:a16="http://schemas.microsoft.com/office/drawing/2014/main" id="{C530D265-7121-B107-96EE-BBF1ADE2C6CC}"/>
               </a:ext>
             </a:extLst>
           </p:cNvPr>
@@ -1396,7 +1396,7 @@
           <a:bodyPr/>
           <a:lstStyle/>
           <a:p>
-            <a:fld id="{81E3B5A7-C4D9-435A-A897-F1D73104D685}" type="datetimeFigureOut">
+            <a:fld id="{02947A32-7E21-4872-ADE9-FF833BAAF223}" type="datetimeFigureOut">
               <a:rPr lang="zh-CN" altLang="en-US" smtClean="0"/>
               <a:t>2024/3/10</a:t>
             </a:fld>
@@ -1409,7 +1409,7 @@
           <p:cNvPr id="6" name="页脚占位符 5">
             <a:extLst>
               <a:ext uri="{FF2B5EF4-FFF2-40B4-BE49-F238E27FC236}">
-                <a16:creationId xmlns:a16="http://schemas.microsoft.com/office/drawing/2014/main" id="{AB1AFFDA-D1F6-A105-D163-F5E2841BF20D}"/>
+                <a16:creationId xmlns:a16="http://schemas.microsoft.com/office/drawing/2014/main" id="{DE1C065E-7DC6-F616-9036-72BCCA39832F}"/>
               </a:ext>
             </a:extLst>
           </p:cNvPr>
@@ -1434,7 +1434,7 @@
           <p:cNvPr id="7" name="灯片编号占位符 6">
             <a:extLst>
               <a:ext uri="{FF2B5EF4-FFF2-40B4-BE49-F238E27FC236}">
-                <a16:creationId xmlns:a16="http://schemas.microsoft.com/office/drawing/2014/main" id="{3146F807-4D30-21E8-FB91-0C58F7697BB7}"/>
+                <a16:creationId xmlns:a16="http://schemas.microsoft.com/office/drawing/2014/main" id="{ADE9E277-8176-FA7F-7601-875DE44A3D8A}"/>
               </a:ext>
             </a:extLst>
           </p:cNvPr>
@@ -1450,7 +1450,7 @@
           <a:bodyPr/>
           <a:lstStyle/>
           <a:p>
-            <a:fld id="{F64A8369-B8D5-47A7-954C-42BAFB7D0356}" type="slidenum">
+            <a:fld id="{56BDC910-26ED-4D55-A098-5C6F029333D3}" type="slidenum">
               <a:rPr lang="zh-CN" altLang="en-US" smtClean="0"/>
               <a:t>‹#›</a:t>
             </a:fld>
@@ -1461,7 +1461,7 @@
     </p:spTree>
     <p:extLst>
       <p:ext uri="{BB962C8B-B14F-4D97-AF65-F5344CB8AC3E}">
-        <p14:creationId xmlns:p14="http://schemas.microsoft.com/office/powerpoint/2010/main" val="2736964828"/>
+        <p14:creationId xmlns:p14="http://schemas.microsoft.com/office/powerpoint/2010/main" val="3316247522"/>
       </p:ext>
     </p:extLst>
   </p:cSld>
@@ -1493,7 +1493,7 @@
           <p:cNvPr id="2" name="标题 1">
             <a:extLst>
               <a:ext uri="{FF2B5EF4-FFF2-40B4-BE49-F238E27FC236}">
-                <a16:creationId xmlns:a16="http://schemas.microsoft.com/office/drawing/2014/main" id="{FE6ABF4E-A6B4-FDF4-8A19-454BACAE694C}"/>
+                <a16:creationId xmlns:a16="http://schemas.microsoft.com/office/drawing/2014/main" id="{F2AB709D-EC43-ABFA-D8E9-4E8CC18CA0B8}"/>
               </a:ext>
             </a:extLst>
           </p:cNvPr>
@@ -1526,7 +1526,7 @@
           <p:cNvPr id="3" name="文本占位符 2">
             <a:extLst>
               <a:ext uri="{FF2B5EF4-FFF2-40B4-BE49-F238E27FC236}">
-                <a16:creationId xmlns:a16="http://schemas.microsoft.com/office/drawing/2014/main" id="{4C349CE8-F971-3CFE-37B8-0C8D894CF1AF}"/>
+                <a16:creationId xmlns:a16="http://schemas.microsoft.com/office/drawing/2014/main" id="{6740121F-356B-009C-63E3-118BA64F6F0F}"/>
               </a:ext>
             </a:extLst>
           </p:cNvPr>
@@ -1597,7 +1597,7 @@
           <p:cNvPr id="4" name="内容占位符 3">
             <a:extLst>
               <a:ext uri="{FF2B5EF4-FFF2-40B4-BE49-F238E27FC236}">
-                <a16:creationId xmlns:a16="http://schemas.microsoft.com/office/drawing/2014/main" id="{74901A84-462A-928E-5C80-63A16816C6EC}"/>
+                <a16:creationId xmlns:a16="http://schemas.microsoft.com/office/drawing/2014/main" id="{59A2FC23-510E-455B-1EEF-0E888481226E}"/>
               </a:ext>
             </a:extLst>
           </p:cNvPr>
@@ -1659,7 +1659,7 @@
           <p:cNvPr id="5" name="文本占位符 4">
             <a:extLst>
               <a:ext uri="{FF2B5EF4-FFF2-40B4-BE49-F238E27FC236}">
-                <a16:creationId xmlns:a16="http://schemas.microsoft.com/office/drawing/2014/main" id="{B6187270-E6DD-D750-D7EE-2F932468FDBA}"/>
+                <a16:creationId xmlns:a16="http://schemas.microsoft.com/office/drawing/2014/main" id="{167EA527-DC54-F146-D446-A9B38CA52FBF}"/>
               </a:ext>
             </a:extLst>
           </p:cNvPr>
@@ -1730,7 +1730,7 @@
           <p:cNvPr id="6" name="内容占位符 5">
             <a:extLst>
               <a:ext uri="{FF2B5EF4-FFF2-40B4-BE49-F238E27FC236}">
-                <a16:creationId xmlns:a16="http://schemas.microsoft.com/office/drawing/2014/main" id="{4C9105C5-9F4A-7443-A2BE-15F913BB849A}"/>
+                <a16:creationId xmlns:a16="http://schemas.microsoft.com/office/drawing/2014/main" id="{67FC2BF3-9FD4-D9DC-B07F-AFE7F6101F21}"/>
               </a:ext>
             </a:extLst>
           </p:cNvPr>
@@ -1792,7 +1792,7 @@
           <p:cNvPr id="7" name="日期占位符 6">
             <a:extLst>
               <a:ext uri="{FF2B5EF4-FFF2-40B4-BE49-F238E27FC236}">
-                <a16:creationId xmlns:a16="http://schemas.microsoft.com/office/drawing/2014/main" id="{64B9E889-EFDB-9806-7775-C713F9C63BE3}"/>
+                <a16:creationId xmlns:a16="http://schemas.microsoft.com/office/drawing/2014/main" id="{0AF2FD6E-005A-D46F-F188-391CEA7B353C}"/>
               </a:ext>
             </a:extLst>
           </p:cNvPr>
@@ -1808,7 +1808,7 @@
           <a:bodyPr/>
           <a:lstStyle/>
           <a:p>
-            <a:fld id="{81E3B5A7-C4D9-435A-A897-F1D73104D685}" type="datetimeFigureOut">
+            <a:fld id="{02947A32-7E21-4872-ADE9-FF833BAAF223}" type="datetimeFigureOut">
               <a:rPr lang="zh-CN" altLang="en-US" smtClean="0"/>
               <a:t>2024/3/10</a:t>
             </a:fld>
@@ -1821,7 +1821,7 @@
           <p:cNvPr id="8" name="页脚占位符 7">
             <a:extLst>
               <a:ext uri="{FF2B5EF4-FFF2-40B4-BE49-F238E27FC236}">
-                <a16:creationId xmlns:a16="http://schemas.microsoft.com/office/drawing/2014/main" id="{B54630D8-255B-705B-67DE-D3072A98E1DE}"/>
+                <a16:creationId xmlns:a16="http://schemas.microsoft.com/office/drawing/2014/main" id="{1B6751D1-CD0F-2F27-55A0-EC0B7D8427EB}"/>
               </a:ext>
             </a:extLst>
           </p:cNvPr>
@@ -1846,7 +1846,7 @@
           <p:cNvPr id="9" name="灯片编号占位符 8">
             <a:extLst>
               <a:ext uri="{FF2B5EF4-FFF2-40B4-BE49-F238E27FC236}">
-                <a16:creationId xmlns:a16="http://schemas.microsoft.com/office/drawing/2014/main" id="{66E158C5-8BD1-AE7A-22DA-4F16A540ED7A}"/>
+                <a16:creationId xmlns:a16="http://schemas.microsoft.com/office/drawing/2014/main" id="{FA136430-26D7-5898-A7C5-421C4D89369B}"/>
               </a:ext>
             </a:extLst>
           </p:cNvPr>
@@ -1862,7 +1862,7 @@
           <a:bodyPr/>
           <a:lstStyle/>
           <a:p>
-            <a:fld id="{F64A8369-B8D5-47A7-954C-42BAFB7D0356}" type="slidenum">
+            <a:fld id="{56BDC910-26ED-4D55-A098-5C6F029333D3}" type="slidenum">
               <a:rPr lang="zh-CN" altLang="en-US" smtClean="0"/>
               <a:t>‹#›</a:t>
             </a:fld>
@@ -1873,7 +1873,7 @@
     </p:spTree>
     <p:extLst>
       <p:ext uri="{BB962C8B-B14F-4D97-AF65-F5344CB8AC3E}">
-        <p14:creationId xmlns:p14="http://schemas.microsoft.com/office/powerpoint/2010/main" val="2029860773"/>
+        <p14:creationId xmlns:p14="http://schemas.microsoft.com/office/powerpoint/2010/main" val="3523972304"/>
       </p:ext>
     </p:extLst>
   </p:cSld>
@@ -1905,7 +1905,7 @@
           <p:cNvPr id="2" name="标题 1">
             <a:extLst>
               <a:ext uri="{FF2B5EF4-FFF2-40B4-BE49-F238E27FC236}">
-                <a16:creationId xmlns:a16="http://schemas.microsoft.com/office/drawing/2014/main" id="{C2C3EA8C-3E9D-5B5B-A7F0-50C806F17CB9}"/>
+                <a16:creationId xmlns:a16="http://schemas.microsoft.com/office/drawing/2014/main" id="{AC5477D4-3F7F-5E58-81EE-E756CF7A6C00}"/>
               </a:ext>
             </a:extLst>
           </p:cNvPr>
@@ -1933,7 +1933,7 @@
           <p:cNvPr id="3" name="日期占位符 2">
             <a:extLst>
               <a:ext uri="{FF2B5EF4-FFF2-40B4-BE49-F238E27FC236}">
-                <a16:creationId xmlns:a16="http://schemas.microsoft.com/office/drawing/2014/main" id="{F5D9BE9B-1BF4-68B8-80AF-6923EFA1ACFC}"/>
+                <a16:creationId xmlns:a16="http://schemas.microsoft.com/office/drawing/2014/main" id="{53F45C35-1432-6575-222A-10F6043ECC57}"/>
               </a:ext>
             </a:extLst>
           </p:cNvPr>
@@ -1949,7 +1949,7 @@
           <a:bodyPr/>
           <a:lstStyle/>
           <a:p>
-            <a:fld id="{81E3B5A7-C4D9-435A-A897-F1D73104D685}" type="datetimeFigureOut">
+            <a:fld id="{02947A32-7E21-4872-ADE9-FF833BAAF223}" type="datetimeFigureOut">
               <a:rPr lang="zh-CN" altLang="en-US" smtClean="0"/>
               <a:t>2024/3/10</a:t>
             </a:fld>
@@ -1962,7 +1962,7 @@
           <p:cNvPr id="4" name="页脚占位符 3">
             <a:extLst>
               <a:ext uri="{FF2B5EF4-FFF2-40B4-BE49-F238E27FC236}">
-                <a16:creationId xmlns:a16="http://schemas.microsoft.com/office/drawing/2014/main" id="{ACA16A55-0B3E-E378-9171-6BB561D3D826}"/>
+                <a16:creationId xmlns:a16="http://schemas.microsoft.com/office/drawing/2014/main" id="{D70DC88F-396D-6F62-5AA5-3FFB2D3AD26A}"/>
               </a:ext>
             </a:extLst>
           </p:cNvPr>
@@ -1987,7 +1987,7 @@
           <p:cNvPr id="5" name="灯片编号占位符 4">
             <a:extLst>
               <a:ext uri="{FF2B5EF4-FFF2-40B4-BE49-F238E27FC236}">
-                <a16:creationId xmlns:a16="http://schemas.microsoft.com/office/drawing/2014/main" id="{7A192F73-EC7C-26D8-5AB3-E5911315E44D}"/>
+                <a16:creationId xmlns:a16="http://schemas.microsoft.com/office/drawing/2014/main" id="{45EA2EC2-65E1-CB8E-7FC1-530FE08EC2A5}"/>
               </a:ext>
             </a:extLst>
           </p:cNvPr>
@@ -2003,7 +2003,7 @@
           <a:bodyPr/>
           <a:lstStyle/>
           <a:p>
-            <a:fld id="{F64A8369-B8D5-47A7-954C-42BAFB7D0356}" type="slidenum">
+            <a:fld id="{56BDC910-26ED-4D55-A098-5C6F029333D3}" type="slidenum">
               <a:rPr lang="zh-CN" altLang="en-US" smtClean="0"/>
               <a:t>‹#›</a:t>
             </a:fld>
@@ -2014,7 +2014,7 @@
     </p:spTree>
     <p:extLst>
       <p:ext uri="{BB962C8B-B14F-4D97-AF65-F5344CB8AC3E}">
-        <p14:creationId xmlns:p14="http://schemas.microsoft.com/office/powerpoint/2010/main" val="171073460"/>
+        <p14:creationId xmlns:p14="http://schemas.microsoft.com/office/powerpoint/2010/main" val="3391908308"/>
       </p:ext>
     </p:extLst>
   </p:cSld>
@@ -2046,7 +2046,7 @@
           <p:cNvPr id="2" name="日期占位符 1">
             <a:extLst>
               <a:ext uri="{FF2B5EF4-FFF2-40B4-BE49-F238E27FC236}">
-                <a16:creationId xmlns:a16="http://schemas.microsoft.com/office/drawing/2014/main" id="{41C84F43-E950-F4EA-10F3-A9F22C9F9EC6}"/>
+                <a16:creationId xmlns:a16="http://schemas.microsoft.com/office/drawing/2014/main" id="{C4DCF68C-ABD2-C1A5-C0DB-895E2A3009CA}"/>
               </a:ext>
             </a:extLst>
           </p:cNvPr>
@@ -2062,7 +2062,7 @@
           <a:bodyPr/>
           <a:lstStyle/>
           <a:p>
-            <a:fld id="{81E3B5A7-C4D9-435A-A897-F1D73104D685}" type="datetimeFigureOut">
+            <a:fld id="{02947A32-7E21-4872-ADE9-FF833BAAF223}" type="datetimeFigureOut">
               <a:rPr lang="zh-CN" altLang="en-US" smtClean="0"/>
               <a:t>2024/3/10</a:t>
             </a:fld>
@@ -2075,7 +2075,7 @@
           <p:cNvPr id="3" name="页脚占位符 2">
             <a:extLst>
               <a:ext uri="{FF2B5EF4-FFF2-40B4-BE49-F238E27FC236}">
-                <a16:creationId xmlns:a16="http://schemas.microsoft.com/office/drawing/2014/main" id="{7861D135-111E-9136-A8F3-CDAD3FEDFAD6}"/>
+                <a16:creationId xmlns:a16="http://schemas.microsoft.com/office/drawing/2014/main" id="{C3B42B6A-DC51-25F0-121D-A6B89203E540}"/>
               </a:ext>
             </a:extLst>
           </p:cNvPr>
@@ -2100,7 +2100,7 @@
           <p:cNvPr id="4" name="灯片编号占位符 3">
             <a:extLst>
               <a:ext uri="{FF2B5EF4-FFF2-40B4-BE49-F238E27FC236}">
-                <a16:creationId xmlns:a16="http://schemas.microsoft.com/office/drawing/2014/main" id="{7222048F-BF65-508E-7CA8-C4B9DB095222}"/>
+                <a16:creationId xmlns:a16="http://schemas.microsoft.com/office/drawing/2014/main" id="{5D115593-BA40-B51B-6544-BF3997B0E3CA}"/>
               </a:ext>
             </a:extLst>
           </p:cNvPr>
@@ -2116,7 +2116,7 @@
           <a:bodyPr/>
           <a:lstStyle/>
           <a:p>
-            <a:fld id="{F64A8369-B8D5-47A7-954C-42BAFB7D0356}" type="slidenum">
+            <a:fld id="{56BDC910-26ED-4D55-A098-5C6F029333D3}" type="slidenum">
               <a:rPr lang="zh-CN" altLang="en-US" smtClean="0"/>
               <a:t>‹#›</a:t>
             </a:fld>
@@ -2127,7 +2127,7 @@
     </p:spTree>
     <p:extLst>
       <p:ext uri="{BB962C8B-B14F-4D97-AF65-F5344CB8AC3E}">
-        <p14:creationId xmlns:p14="http://schemas.microsoft.com/office/powerpoint/2010/main" val="3048921446"/>
+        <p14:creationId xmlns:p14="http://schemas.microsoft.com/office/powerpoint/2010/main" val="1373535234"/>
       </p:ext>
     </p:extLst>
   </p:cSld>
@@ -2159,7 +2159,7 @@
           <p:cNvPr id="2" name="标题 1">
             <a:extLst>
               <a:ext uri="{FF2B5EF4-FFF2-40B4-BE49-F238E27FC236}">
-                <a16:creationId xmlns:a16="http://schemas.microsoft.com/office/drawing/2014/main" id="{7B7870DA-545D-8D79-2853-DBED3D9B5886}"/>
+                <a16:creationId xmlns:a16="http://schemas.microsoft.com/office/drawing/2014/main" id="{A9992773-423B-5A33-F123-6E3F3462DCEF}"/>
               </a:ext>
             </a:extLst>
           </p:cNvPr>
@@ -2196,7 +2196,7 @@
           <p:cNvPr id="3" name="内容占位符 2">
             <a:extLst>
               <a:ext uri="{FF2B5EF4-FFF2-40B4-BE49-F238E27FC236}">
-                <a16:creationId xmlns:a16="http://schemas.microsoft.com/office/drawing/2014/main" id="{533786D0-64C7-F178-3036-7784D81202DD}"/>
+                <a16:creationId xmlns:a16="http://schemas.microsoft.com/office/drawing/2014/main" id="{7DDB4C32-1803-DA3E-DECF-1262007CD9F0}"/>
               </a:ext>
             </a:extLst>
           </p:cNvPr>
@@ -2286,7 +2286,7 @@
           <p:cNvPr id="4" name="文本占位符 3">
             <a:extLst>
               <a:ext uri="{FF2B5EF4-FFF2-40B4-BE49-F238E27FC236}">
-                <a16:creationId xmlns:a16="http://schemas.microsoft.com/office/drawing/2014/main" id="{C4840559-6169-AD6D-2D85-A09E5F975101}"/>
+                <a16:creationId xmlns:a16="http://schemas.microsoft.com/office/drawing/2014/main" id="{E44219F6-6860-CE94-112D-12D9ECBEC83D}"/>
               </a:ext>
             </a:extLst>
           </p:cNvPr>
@@ -2357,7 +2357,7 @@
           <p:cNvPr id="5" name="日期占位符 4">
             <a:extLst>
               <a:ext uri="{FF2B5EF4-FFF2-40B4-BE49-F238E27FC236}">
-                <a16:creationId xmlns:a16="http://schemas.microsoft.com/office/drawing/2014/main" id="{DF84DAE9-1349-3982-C441-83368EC6CCEE}"/>
+                <a16:creationId xmlns:a16="http://schemas.microsoft.com/office/drawing/2014/main" id="{8148E1C9-75BF-BC88-BE49-808D587F188A}"/>
               </a:ext>
             </a:extLst>
           </p:cNvPr>
@@ -2373,7 +2373,7 @@
           <a:bodyPr/>
           <a:lstStyle/>
           <a:p>
-            <a:fld id="{81E3B5A7-C4D9-435A-A897-F1D73104D685}" type="datetimeFigureOut">
+            <a:fld id="{02947A32-7E21-4872-ADE9-FF833BAAF223}" type="datetimeFigureOut">
               <a:rPr lang="zh-CN" altLang="en-US" smtClean="0"/>
               <a:t>2024/3/10</a:t>
             </a:fld>
@@ -2386,7 +2386,7 @@
           <p:cNvPr id="6" name="页脚占位符 5">
             <a:extLst>
               <a:ext uri="{FF2B5EF4-FFF2-40B4-BE49-F238E27FC236}">
-                <a16:creationId xmlns:a16="http://schemas.microsoft.com/office/drawing/2014/main" id="{90C25299-74C6-640C-0BF4-64C92D9456B7}"/>
+                <a16:creationId xmlns:a16="http://schemas.microsoft.com/office/drawing/2014/main" id="{22BFD2CF-3A21-1D92-3CCF-C9F7A7ACB350}"/>
               </a:ext>
             </a:extLst>
           </p:cNvPr>
@@ -2411,7 +2411,7 @@
           <p:cNvPr id="7" name="灯片编号占位符 6">
             <a:extLst>
               <a:ext uri="{FF2B5EF4-FFF2-40B4-BE49-F238E27FC236}">
-                <a16:creationId xmlns:a16="http://schemas.microsoft.com/office/drawing/2014/main" id="{F70F40E5-BD12-3B08-7611-004107A1C824}"/>
+                <a16:creationId xmlns:a16="http://schemas.microsoft.com/office/drawing/2014/main" id="{A36E1D18-D1BA-D123-BA12-C604E772FCD0}"/>
               </a:ext>
             </a:extLst>
           </p:cNvPr>
@@ -2427,7 +2427,7 @@
           <a:bodyPr/>
           <a:lstStyle/>
           <a:p>
-            <a:fld id="{F64A8369-B8D5-47A7-954C-42BAFB7D0356}" type="slidenum">
+            <a:fld id="{56BDC910-26ED-4D55-A098-5C6F029333D3}" type="slidenum">
               <a:rPr lang="zh-CN" altLang="en-US" smtClean="0"/>
               <a:t>‹#›</a:t>
             </a:fld>
@@ -2438,7 +2438,7 @@
     </p:spTree>
     <p:extLst>
       <p:ext uri="{BB962C8B-B14F-4D97-AF65-F5344CB8AC3E}">
-        <p14:creationId xmlns:p14="http://schemas.microsoft.com/office/powerpoint/2010/main" val="2711499075"/>
+        <p14:creationId xmlns:p14="http://schemas.microsoft.com/office/powerpoint/2010/main" val="2425370250"/>
       </p:ext>
     </p:extLst>
   </p:cSld>
@@ -2470,7 +2470,7 @@
           <p:cNvPr id="2" name="标题 1">
             <a:extLst>
               <a:ext uri="{FF2B5EF4-FFF2-40B4-BE49-F238E27FC236}">
-                <a16:creationId xmlns:a16="http://schemas.microsoft.com/office/drawing/2014/main" id="{2CA44227-6A8C-1EE6-0335-E9E8CAE43354}"/>
+                <a16:creationId xmlns:a16="http://schemas.microsoft.com/office/drawing/2014/main" id="{C341E767-EF66-0D75-CF27-4A74C7AAD951}"/>
               </a:ext>
             </a:extLst>
           </p:cNvPr>
@@ -2507,7 +2507,7 @@
           <p:cNvPr id="3" name="图片占位符 2">
             <a:extLst>
               <a:ext uri="{FF2B5EF4-FFF2-40B4-BE49-F238E27FC236}">
-                <a16:creationId xmlns:a16="http://schemas.microsoft.com/office/drawing/2014/main" id="{76EDBB18-B239-9BBC-8726-C8BBADA71118}"/>
+                <a16:creationId xmlns:a16="http://schemas.microsoft.com/office/drawing/2014/main" id="{4D7077C2-2E84-9219-5E40-0DCA7A93B600}"/>
               </a:ext>
             </a:extLst>
           </p:cNvPr>
@@ -2574,7 +2574,7 @@
           <p:cNvPr id="4" name="文本占位符 3">
             <a:extLst>
               <a:ext uri="{FF2B5EF4-FFF2-40B4-BE49-F238E27FC236}">
-                <a16:creationId xmlns:a16="http://schemas.microsoft.com/office/drawing/2014/main" id="{38CED266-9A46-7728-DEB6-7B09F1385E1D}"/>
+                <a16:creationId xmlns:a16="http://schemas.microsoft.com/office/drawing/2014/main" id="{4BBBA64B-B08E-DD4F-F707-A39FE71DA838}"/>
               </a:ext>
             </a:extLst>
           </p:cNvPr>
@@ -2645,7 +2645,7 @@
           <p:cNvPr id="5" name="日期占位符 4">
             <a:extLst>
               <a:ext uri="{FF2B5EF4-FFF2-40B4-BE49-F238E27FC236}">
-                <a16:creationId xmlns:a16="http://schemas.microsoft.com/office/drawing/2014/main" id="{43BF9515-0725-6A93-7602-F9D2F2E3FE63}"/>
+                <a16:creationId xmlns:a16="http://schemas.microsoft.com/office/drawing/2014/main" id="{8534FBA2-B114-B739-0226-AE554DFBBE94}"/>
               </a:ext>
             </a:extLst>
           </p:cNvPr>
@@ -2661,7 +2661,7 @@
           <a:bodyPr/>
           <a:lstStyle/>
           <a:p>
-            <a:fld id="{81E3B5A7-C4D9-435A-A897-F1D73104D685}" type="datetimeFigureOut">
+            <a:fld id="{02947A32-7E21-4872-ADE9-FF833BAAF223}" type="datetimeFigureOut">
               <a:rPr lang="zh-CN" altLang="en-US" smtClean="0"/>
               <a:t>2024/3/10</a:t>
             </a:fld>
@@ -2674,7 +2674,7 @@
           <p:cNvPr id="6" name="页脚占位符 5">
             <a:extLst>
               <a:ext uri="{FF2B5EF4-FFF2-40B4-BE49-F238E27FC236}">
-                <a16:creationId xmlns:a16="http://schemas.microsoft.com/office/drawing/2014/main" id="{2E14EF10-7E78-8057-6924-14880D9A3128}"/>
+                <a16:creationId xmlns:a16="http://schemas.microsoft.com/office/drawing/2014/main" id="{E61A492D-7128-D9E6-D7A5-EF860D6C1EC8}"/>
               </a:ext>
             </a:extLst>
           </p:cNvPr>
@@ -2699,7 +2699,7 @@
           <p:cNvPr id="7" name="灯片编号占位符 6">
             <a:extLst>
               <a:ext uri="{FF2B5EF4-FFF2-40B4-BE49-F238E27FC236}">
-                <a16:creationId xmlns:a16="http://schemas.microsoft.com/office/drawing/2014/main" id="{B4964506-FFB3-0C05-1994-0A66400A0007}"/>
+                <a16:creationId xmlns:a16="http://schemas.microsoft.com/office/drawing/2014/main" id="{CA525984-E636-1698-7B73-9BA896DA0396}"/>
               </a:ext>
             </a:extLst>
           </p:cNvPr>
@@ -2715,7 +2715,7 @@
           <a:bodyPr/>
           <a:lstStyle/>
           <a:p>
-            <a:fld id="{F64A8369-B8D5-47A7-954C-42BAFB7D0356}" type="slidenum">
+            <a:fld id="{56BDC910-26ED-4D55-A098-5C6F029333D3}" type="slidenum">
               <a:rPr lang="zh-CN" altLang="en-US" smtClean="0"/>
               <a:t>‹#›</a:t>
             </a:fld>
@@ -2726,7 +2726,7 @@
     </p:spTree>
     <p:extLst>
       <p:ext uri="{BB962C8B-B14F-4D97-AF65-F5344CB8AC3E}">
-        <p14:creationId xmlns:p14="http://schemas.microsoft.com/office/powerpoint/2010/main" val="1811626679"/>
+        <p14:creationId xmlns:p14="http://schemas.microsoft.com/office/powerpoint/2010/main" val="27837038"/>
       </p:ext>
     </p:extLst>
   </p:cSld>
@@ -2763,7 +2763,7 @@
           <p:cNvPr id="2" name="标题占位符 1">
             <a:extLst>
               <a:ext uri="{FF2B5EF4-FFF2-40B4-BE49-F238E27FC236}">
-                <a16:creationId xmlns:a16="http://schemas.microsoft.com/office/drawing/2014/main" id="{3568C1F1-CCAB-7DCC-3742-40EAC7BA5A03}"/>
+                <a16:creationId xmlns:a16="http://schemas.microsoft.com/office/drawing/2014/main" id="{FD2B3BB6-8F05-61B1-B720-DD94C4E97798}"/>
               </a:ext>
             </a:extLst>
           </p:cNvPr>
@@ -2801,7 +2801,7 @@
           <p:cNvPr id="3" name="文本占位符 2">
             <a:extLst>
               <a:ext uri="{FF2B5EF4-FFF2-40B4-BE49-F238E27FC236}">
-                <a16:creationId xmlns:a16="http://schemas.microsoft.com/office/drawing/2014/main" id="{7A97995E-5467-FC0A-8B7E-BCD1674D69EA}"/>
+                <a16:creationId xmlns:a16="http://schemas.microsoft.com/office/drawing/2014/main" id="{B4A9F503-EAD2-7E43-527B-B8270023C7DE}"/>
               </a:ext>
             </a:extLst>
           </p:cNvPr>
@@ -2868,7 +2868,7 @@
           <p:cNvPr id="4" name="日期占位符 3">
             <a:extLst>
               <a:ext uri="{FF2B5EF4-FFF2-40B4-BE49-F238E27FC236}">
-                <a16:creationId xmlns:a16="http://schemas.microsoft.com/office/drawing/2014/main" id="{CC28F4B7-736C-F387-1CEA-C0CE604E92BF}"/>
+                <a16:creationId xmlns:a16="http://schemas.microsoft.com/office/drawing/2014/main" id="{911E11D5-D47C-EE14-297F-ADA576860F0B}"/>
               </a:ext>
             </a:extLst>
           </p:cNvPr>
@@ -2902,7 +2902,7 @@
             </a:lvl1pPr>
           </a:lstStyle>
           <a:p>
-            <a:fld id="{81E3B5A7-C4D9-435A-A897-F1D73104D685}" type="datetimeFigureOut">
+            <a:fld id="{02947A32-7E21-4872-ADE9-FF833BAAF223}" type="datetimeFigureOut">
               <a:rPr lang="zh-CN" altLang="en-US" smtClean="0"/>
               <a:t>2024/3/10</a:t>
             </a:fld>
@@ -2915,7 +2915,7 @@
           <p:cNvPr id="5" name="页脚占位符 4">
             <a:extLst>
               <a:ext uri="{FF2B5EF4-FFF2-40B4-BE49-F238E27FC236}">
-                <a16:creationId xmlns:a16="http://schemas.microsoft.com/office/drawing/2014/main" id="{7CD73080-93EF-B175-7EE9-9211EC932BA8}"/>
+                <a16:creationId xmlns:a16="http://schemas.microsoft.com/office/drawing/2014/main" id="{54F7EE4B-4AAA-71E1-C437-24417F351A20}"/>
               </a:ext>
             </a:extLst>
           </p:cNvPr>
@@ -2958,7 +2958,7 @@
           <p:cNvPr id="6" name="灯片编号占位符 5">
             <a:extLst>
               <a:ext uri="{FF2B5EF4-FFF2-40B4-BE49-F238E27FC236}">
-                <a16:creationId xmlns:a16="http://schemas.microsoft.com/office/drawing/2014/main" id="{D392DD0C-D822-3365-1B62-8B9C70CD75AE}"/>
+                <a16:creationId xmlns:a16="http://schemas.microsoft.com/office/drawing/2014/main" id="{15E63567-CE39-08B4-1B34-A7BB64C9F234}"/>
               </a:ext>
             </a:extLst>
           </p:cNvPr>
@@ -2992,7 +2992,7 @@
             </a:lvl1pPr>
           </a:lstStyle>
           <a:p>
-            <a:fld id="{F64A8369-B8D5-47A7-954C-42BAFB7D0356}" type="slidenum">
+            <a:fld id="{56BDC910-26ED-4D55-A098-5C6F029333D3}" type="slidenum">
               <a:rPr lang="zh-CN" altLang="en-US" smtClean="0"/>
               <a:t>‹#›</a:t>
             </a:fld>
@@ -3003,7 +3003,7 @@
     </p:spTree>
     <p:extLst>
       <p:ext uri="{BB962C8B-B14F-4D97-AF65-F5344CB8AC3E}">
-        <p14:creationId xmlns:p14="http://schemas.microsoft.com/office/powerpoint/2010/main" val="963779593"/>
+        <p14:creationId xmlns:p14="http://schemas.microsoft.com/office/powerpoint/2010/main" val="1123375729"/>
       </p:ext>
     </p:extLst>
   </p:cSld>
@@ -3323,7 +3323,7 @@
       </p:grpSpPr>
       <p:pic>
         <p:nvPicPr>
-          <p:cNvPr id="593922" name="Picture 2" descr="579"/>
+          <p:cNvPr id="594946" name="Picture 2" descr="580"/>
           <p:cNvPicPr>
             <a:picLocks noChangeAspect="1" noChangeArrowheads="1"/>
           </p:cNvPicPr>
@@ -3375,11 +3375,158 @@
           </a:extLst>
         </p:spPr>
       </p:pic>
+      <p:pic>
+        <p:nvPicPr>
+          <p:cNvPr id="595971" name="Picture 3" descr="580-2"/>
+          <p:cNvPicPr>
+            <a:picLocks noChangeAspect="1" noChangeArrowheads="1"/>
+          </p:cNvPicPr>
+          <p:nvPr/>
+        </p:nvPicPr>
+        <p:blipFill>
+          <a:blip r:embed="rId3">
+            <a:extLst>
+              <a:ext uri="{28A0092B-C50C-407E-A947-70E740481C1C}">
+                <a14:useLocalDpi xmlns:a14="http://schemas.microsoft.com/office/drawing/2010/main" val="0"/>
+              </a:ext>
+            </a:extLst>
+          </a:blip>
+          <a:srcRect/>
+          <a:stretch>
+            <a:fillRect/>
+          </a:stretch>
+        </p:blipFill>
+        <p:spPr bwMode="auto">
+          <a:xfrm>
+            <a:off x="1524000" y="0"/>
+            <a:ext cx="9144000" cy="6858000"/>
+          </a:xfrm>
+          <a:prstGeom prst="rect">
+            <a:avLst/>
+          </a:prstGeom>
+          <a:noFill/>
+          <a:ln>
+            <a:noFill/>
+          </a:ln>
+          <a:effectLst/>
+          <a:extLst>
+            <a:ext uri="{909E8E84-426E-40DD-AFC4-6F175D3DCCD1}">
+              <a14:hiddenFill xmlns:a14="http://schemas.microsoft.com/office/drawing/2010/main">
+                <a:solidFill>
+                  <a:srgbClr val="FFFFFF"/>
+                </a:solidFill>
+              </a14:hiddenFill>
+            </a:ext>
+            <a:ext uri="{91240B29-F687-4F45-9708-019B960494DF}">
+              <a14:hiddenLine xmlns:a14="http://schemas.microsoft.com/office/drawing/2010/main" w="9525">
+                <a:solidFill>
+                  <a:srgbClr val="000000"/>
+                </a:solidFill>
+                <a:miter lim="800000"/>
+                <a:headEnd/>
+                <a:tailEnd/>
+              </a14:hiddenLine>
+            </a:ext>
+            <a:ext uri="{AF507438-7753-43E0-B8FC-AC1667EBCBE1}">
+              <a14:hiddenEffects xmlns:a14="http://schemas.microsoft.com/office/drawing/2010/main">
+                <a:effectLst>
+                  <a:outerShdw dist="35921" dir="2700000" algn="ctr" rotWithShape="0">
+                    <a:srgbClr val="808080"/>
+                  </a:outerShdw>
+                </a:effectLst>
+              </a14:hiddenEffects>
+            </a:ext>
+          </a:extLst>
+        </p:spPr>
+      </p:pic>
     </p:spTree>
   </p:cSld>
   <p:clrMapOvr>
     <a:masterClrMapping/>
   </p:clrMapOvr>
+  <p:timing>
+    <p:tnLst>
+      <p:par>
+        <p:cTn id="1" dur="indefinite" restart="never" nodeType="tmRoot">
+          <p:childTnLst>
+            <p:seq concurrent="1" nextAc="seek">
+              <p:cTn id="2" dur="indefinite" nodeType="mainSeq">
+                <p:childTnLst>
+                  <p:par>
+                    <p:cTn id="3" fill="hold" nodeType="clickPar">
+                      <p:stCondLst>
+                        <p:cond delay="indefinite"/>
+                      </p:stCondLst>
+                      <p:childTnLst>
+                        <p:par>
+                          <p:cTn id="4" fill="hold" nodeType="withGroup">
+                            <p:stCondLst>
+                              <p:cond delay="0"/>
+                            </p:stCondLst>
+                            <p:childTnLst>
+                              <p:par>
+                                <p:cTn id="5" presetID="10" presetClass="entr" presetSubtype="0" fill="hold" nodeType="clickEffect">
+                                  <p:stCondLst>
+                                    <p:cond delay="0"/>
+                                  </p:stCondLst>
+                                  <p:childTnLst>
+                                    <p:set>
+                                      <p:cBhvr>
+                                        <p:cTn id="6" dur="1" fill="hold">
+                                          <p:stCondLst>
+                                            <p:cond delay="0"/>
+                                          </p:stCondLst>
+                                        </p:cTn>
+                                        <p:tgtEl>
+                                          <p:spTgt spid="595971"/>
+                                        </p:tgtEl>
+                                        <p:attrNameLst>
+                                          <p:attrName>style.visibility</p:attrName>
+                                        </p:attrNameLst>
+                                      </p:cBhvr>
+                                      <p:to>
+                                        <p:strVal val="visible"/>
+                                      </p:to>
+                                    </p:set>
+                                    <p:animEffect transition="in" filter="fade">
+                                      <p:cBhvr>
+                                        <p:cTn id="7" dur="500"/>
+                                        <p:tgtEl>
+                                          <p:spTgt spid="595971"/>
+                                        </p:tgtEl>
+                                      </p:cBhvr>
+                                    </p:animEffect>
+                                  </p:childTnLst>
+                                </p:cTn>
+                              </p:par>
+                            </p:childTnLst>
+                          </p:cTn>
+                        </p:par>
+                      </p:childTnLst>
+                    </p:cTn>
+                  </p:par>
+                </p:childTnLst>
+              </p:cTn>
+              <p:prevCondLst>
+                <p:cond evt="onPrev" delay="0">
+                  <p:tgtEl>
+                    <p:sldTgt/>
+                  </p:tgtEl>
+                </p:cond>
+              </p:prevCondLst>
+              <p:nextCondLst>
+                <p:cond evt="onNext" delay="0">
+                  <p:tgtEl>
+                    <p:sldTgt/>
+                  </p:tgtEl>
+                </p:cond>
+              </p:nextCondLst>
+            </p:seq>
+          </p:childTnLst>
+        </p:cTn>
+      </p:par>
+    </p:tnLst>
+  </p:timing>
 </p:sld>
 </file>
 
